--- a/Report/제 7회 숭실 특허경진대회/특허경진대회 발표 PPT - 개가천선.pptx
+++ b/Report/제 7회 숭실 특허경진대회/특허경진대회 발표 PPT - 개가천선.pptx
@@ -241,7 +241,7 @@
           <a:p>
             <a:fld id="{048B58E2-BDA6-44EC-A386-BB323E0C4A8B}" type="datetimeFigureOut">
               <a:rPr lang="ko-KR" altLang="en-US" smtClean="0"/>
-              <a:t>2019-09-20</a:t>
+              <a:t>2019-09-21</a:t>
             </a:fld>
             <a:endParaRPr lang="ko-KR" altLang="en-US"/>
           </a:p>
@@ -419,7 +419,7 @@
           <a:p>
             <a:fld id="{4B8D8756-6719-4906-B4B5-65DD2402F7F8}" type="datetimeFigureOut">
               <a:rPr lang="ko-KR" altLang="en-US" smtClean="0"/>
-              <a:t>2019-09-20</a:t>
+              <a:t>2019-09-21</a:t>
             </a:fld>
             <a:endParaRPr lang="ko-KR" altLang="en-US"/>
           </a:p>
@@ -1312,21 +1312,32 @@
           <a:p>
             <a:r>
               <a:rPr lang="ko-KR" altLang="en-US" dirty="0"/>
-              <a:t>판별 결과 반려견이 올바른 자세를 취했을 경우</a:t>
-            </a:r>
-            <a:r>
-              <a:rPr lang="en-US" altLang="ko-KR" dirty="0"/>
-              <a:t>, </a:t>
-            </a:r>
-            <a:r>
-              <a:rPr lang="ko-KR" altLang="en-US" dirty="0"/>
-              <a:t>간식의 보상을 제공합니다</a:t>
+              <a:t>딥러닝 기반 영상처리 기법으로 자세를 판별한 결과</a:t>
+            </a:r>
+            <a:endParaRPr lang="en-US" altLang="ko-KR" dirty="0"/>
+          </a:p>
+          <a:p>
+            <a:r>
+              <a:rPr lang="ko-KR" altLang="en-US" dirty="0"/>
+              <a:t>반려견이 발화된 명령어에 맞게 올바른 자세를 취했을 경우</a:t>
+            </a:r>
+            <a:endParaRPr lang="en-US" altLang="ko-KR" dirty="0"/>
+          </a:p>
+          <a:p>
+            <a:r>
+              <a:rPr lang="ko-KR" altLang="en-US" dirty="0"/>
+              <a:t>프로세서는 간식통에 연결된 모터를 작동시켜 간식의 보상을 제공합니다</a:t>
             </a:r>
             <a:r>
               <a:rPr lang="en-US" altLang="ko-KR" dirty="0"/>
               <a:t>.</a:t>
             </a:r>
-            <a:endParaRPr lang="ko-KR" altLang="en-US" dirty="0"/>
+          </a:p>
+          <a:p>
+            <a:r>
+              <a:rPr lang="en-US" altLang="ko-KR" dirty="0"/>
+              <a:t>(next)</a:t>
+            </a:r>
           </a:p>
         </p:txBody>
       </p:sp>
@@ -3013,23 +3024,15 @@
           <a:p>
             <a:r>
               <a:rPr lang="ko-KR" altLang="en-US" dirty="0"/>
-              <a:t>명령어 발화를 위해선</a:t>
+              <a:t>먼저 명령어 발화단계를 위해 디바이스 뒷면의 마이크와</a:t>
             </a:r>
             <a:r>
               <a:rPr lang="en-US" altLang="ko-KR" dirty="0"/>
-              <a:t>, </a:t>
-            </a:r>
-            <a:r>
-              <a:rPr lang="ko-KR" altLang="en-US" dirty="0"/>
-              <a:t>기기에서 보호자의 명령어 목소리를 먼저 </a:t>
-            </a:r>
-            <a:r>
-              <a:rPr lang="ko-KR" altLang="en-US" dirty="0" err="1"/>
-              <a:t>녹음해두어야</a:t>
-            </a:r>
-            <a:r>
-              <a:rPr lang="ko-KR" altLang="en-US" dirty="0"/>
-              <a:t> 합니다</a:t>
+              <a:t> </a:t>
+            </a:r>
+            <a:r>
+              <a:rPr lang="ko-KR" altLang="en-US" dirty="0"/>
+              <a:t>스피커가 사용됩니다</a:t>
             </a:r>
             <a:r>
               <a:rPr lang="en-US" altLang="ko-KR" dirty="0"/>
@@ -3039,7 +3042,21 @@
           <a:p>
             <a:r>
               <a:rPr lang="ko-KR" altLang="en-US" dirty="0"/>
-              <a:t>이를 기기에 있는 스피커로 출력함으로써 명령어를 발화합니다</a:t>
+              <a:t>이는 모두 디바이스 내부의 소형 컴퓨터에 연결되어</a:t>
+            </a:r>
+            <a:endParaRPr lang="en-US" altLang="ko-KR" dirty="0"/>
+          </a:p>
+          <a:p>
+            <a:r>
+              <a:rPr lang="ko-KR" altLang="en-US" dirty="0"/>
+              <a:t>보호자의 명령어 목소리를 녹음할 땐 마이크가 작동되고</a:t>
+            </a:r>
+            <a:endParaRPr lang="en-US" altLang="ko-KR" dirty="0"/>
+          </a:p>
+          <a:p>
+            <a:r>
+              <a:rPr lang="ko-KR" altLang="en-US" dirty="0"/>
+              <a:t>명령어 훈련을 시작할 때는 스피커가 동작되는 방식입니다</a:t>
             </a:r>
             <a:r>
               <a:rPr lang="en-US" altLang="ko-KR" dirty="0"/>
@@ -3047,7 +3064,10 @@
             </a:r>
           </a:p>
           <a:p>
-            <a:endParaRPr lang="en-US" altLang="ko-KR" dirty="0"/>
+            <a:r>
+              <a:rPr lang="en-US" altLang="ko-KR" dirty="0"/>
+              <a:t>(next)</a:t>
+            </a:r>
           </a:p>
         </p:txBody>
       </p:sp>
@@ -3132,16 +3152,84 @@
             </a:pPr>
             <a:r>
               <a:rPr lang="ko-KR" altLang="en-US" dirty="0"/>
-              <a:t>두번째로는 카메라를 통해 반려견이 취하는 자세를 촬영합니다</a:t>
+              <a:t>다음으로는 카메라를 통한 자세 촬영 단계인데</a:t>
+            </a:r>
+            <a:endParaRPr lang="en-US" altLang="ko-KR" dirty="0"/>
+          </a:p>
+          <a:p>
+            <a:pPr marL="0" marR="0" lvl="0" indent="0" algn="l" defTabSz="914400" rtl="0" eaLnBrk="1" fontAlgn="auto" latinLnBrk="1" hangingPunct="1">
+              <a:lnSpc>
+                <a:spcPct val="100000"/>
+              </a:lnSpc>
+              <a:spcBef>
+                <a:spcPts val="0"/>
+              </a:spcBef>
+              <a:spcAft>
+                <a:spcPts val="0"/>
+              </a:spcAft>
+              <a:buClrTx/>
+              <a:buSzTx/>
+              <a:buFontTx/>
+              <a:buNone/>
+              <a:tabLst/>
+              <a:defRPr/>
+            </a:pPr>
+            <a:r>
+              <a:rPr lang="ko-KR" altLang="en-US" dirty="0"/>
+              <a:t>이 단계에서 카메라는 명령어 발화와 동시에 촬영을 시작하여</a:t>
+            </a:r>
+            <a:endParaRPr lang="en-US" altLang="ko-KR" dirty="0"/>
+          </a:p>
+          <a:p>
+            <a:pPr marL="0" marR="0" lvl="0" indent="0" algn="l" defTabSz="914400" rtl="0" eaLnBrk="1" fontAlgn="auto" latinLnBrk="1" hangingPunct="1">
+              <a:lnSpc>
+                <a:spcPct val="100000"/>
+              </a:lnSpc>
+              <a:spcBef>
+                <a:spcPts val="0"/>
+              </a:spcBef>
+              <a:spcAft>
+                <a:spcPts val="0"/>
+              </a:spcAft>
+              <a:buClrTx/>
+              <a:buSzTx/>
+              <a:buFontTx/>
+              <a:buNone/>
+              <a:tabLst/>
+              <a:defRPr/>
+            </a:pPr>
+            <a:r>
+              <a:rPr lang="ko-KR" altLang="en-US" dirty="0"/>
+              <a:t>촬영한 영상을 실시간으로 프로세서에게 전달합니다</a:t>
             </a:r>
             <a:r>
               <a:rPr lang="en-US" altLang="ko-KR" dirty="0"/>
               <a:t>.</a:t>
             </a:r>
+          </a:p>
+          <a:p>
+            <a:pPr marL="0" marR="0" lvl="0" indent="0" algn="l" defTabSz="914400" rtl="0" eaLnBrk="1" fontAlgn="auto" latinLnBrk="1" hangingPunct="1">
+              <a:lnSpc>
+                <a:spcPct val="100000"/>
+              </a:lnSpc>
+              <a:spcBef>
+                <a:spcPts val="0"/>
+              </a:spcBef>
+              <a:spcAft>
+                <a:spcPts val="0"/>
+              </a:spcAft>
+              <a:buClrTx/>
+              <a:buSzTx/>
+              <a:buFontTx/>
+              <a:buNone/>
+              <a:tabLst/>
+              <a:defRPr/>
+            </a:pPr>
+            <a:r>
+              <a:rPr lang="en-US" altLang="ko-KR" dirty="0"/>
+              <a:t>(next)</a:t>
+            </a:r>
             <a:endParaRPr lang="ko-KR" altLang="en-US" dirty="0"/>
-          </a:p>
-          <a:p>
-            <a:endParaRPr lang="en-US" altLang="ko-KR" dirty="0"/>
           </a:p>
         </p:txBody>
       </p:sp>
@@ -3209,7 +3297,29 @@
           <a:p>
             <a:r>
               <a:rPr lang="ko-KR" altLang="en-US" dirty="0"/>
-              <a:t>프로세서에서 딥러닝 기반 영상처리 과정을 통해 반려견의 자세를 판별합니다</a:t>
+              <a:t>프로세서는 전달받은 실시간 촬영 영상을</a:t>
+            </a:r>
+            <a:endParaRPr lang="en-US" altLang="ko-KR" dirty="0"/>
+          </a:p>
+          <a:p>
+            <a:r>
+              <a:rPr lang="ko-KR" altLang="en-US" dirty="0" err="1"/>
+              <a:t>딥러닝을</a:t>
+            </a:r>
+            <a:r>
+              <a:rPr lang="ko-KR" altLang="en-US" dirty="0"/>
+              <a:t> 기반으로 </a:t>
+            </a:r>
+            <a:r>
+              <a:rPr lang="ko-KR" altLang="en-US" dirty="0" err="1"/>
+              <a:t>영상처리하여</a:t>
+            </a:r>
+            <a:endParaRPr lang="en-US" altLang="ko-KR" dirty="0"/>
+          </a:p>
+          <a:p>
+            <a:r>
+              <a:rPr lang="ko-KR" altLang="en-US" dirty="0"/>
+              <a:t>반려견의 자세를 판별합니다</a:t>
             </a:r>
             <a:r>
               <a:rPr lang="en-US" altLang="ko-KR" dirty="0"/>
@@ -3231,7 +3341,10 @@
             <a:endParaRPr lang="ko-KR" altLang="en-US" dirty="0"/>
           </a:p>
           <a:p>
-            <a:endParaRPr lang="en-US" altLang="ko-KR" dirty="0"/>
+            <a:r>
+              <a:rPr lang="en-US" altLang="ko-KR" dirty="0"/>
+              <a:t>(next)</a:t>
+            </a:r>
           </a:p>
         </p:txBody>
       </p:sp>

--- a/Report/제 7회 숭실 특허경진대회/특허경진대회 발표 PPT - 개가천선.pptx
+++ b/Report/제 7회 숭실 특허경진대회/특허경진대회 발표 PPT - 개가천선.pptx
@@ -241,7 +241,7 @@
           <a:p>
             <a:fld id="{048B58E2-BDA6-44EC-A386-BB323E0C4A8B}" type="datetimeFigureOut">
               <a:rPr lang="ko-KR" altLang="en-US" smtClean="0"/>
-              <a:t>2019-09-21</a:t>
+              <a:t>2019-09-23</a:t>
             </a:fld>
             <a:endParaRPr lang="ko-KR" altLang="en-US"/>
           </a:p>
@@ -419,7 +419,7 @@
           <a:p>
             <a:fld id="{4B8D8756-6719-4906-B4B5-65DD2402F7F8}" type="datetimeFigureOut">
               <a:rPr lang="ko-KR" altLang="en-US" smtClean="0"/>
-              <a:t>2019-09-21</a:t>
+              <a:t>2019-09-23</a:t>
             </a:fld>
             <a:endParaRPr lang="ko-KR" altLang="en-US"/>
           </a:p>
@@ -807,7 +807,7 @@
           <a:p>
             <a:r>
               <a:rPr lang="ko-KR" altLang="en-US" dirty="0"/>
-              <a:t>조금 더 세부적인 기술에 집중하고자 범위를 좁혀 다음과 같이 주제를 구체화 시켰습니다</a:t>
+              <a:t>조금 더 특허를 출원하기 적합하게 다음과 같이 주제를 구체화 시켰습니다</a:t>
             </a:r>
             <a:r>
               <a:rPr lang="en-US" altLang="ko-KR" dirty="0"/>
@@ -905,6 +905,41 @@
               <a:defRPr/>
             </a:pPr>
             <a:r>
+              <a:rPr lang="ko-KR" altLang="en-US" dirty="0"/>
+              <a:t>안녕하십니까 딥러닝 기반 영상처리 기술의 세부내용 발표를 진행할 </a:t>
+            </a:r>
+            <a:r>
+              <a:rPr lang="ko-KR" altLang="en-US" dirty="0" err="1"/>
+              <a:t>윤성필이라고</a:t>
+            </a:r>
+            <a:r>
+              <a:rPr lang="ko-KR" altLang="en-US" dirty="0"/>
+              <a:t> 합니다</a:t>
+            </a:r>
+            <a:r>
+              <a:rPr lang="en-US" altLang="ko-KR" dirty="0"/>
+              <a:t>.</a:t>
+            </a:r>
+          </a:p>
+          <a:p>
+            <a:pPr marL="0" marR="0" lvl="0" indent="0" algn="l" defTabSz="914400" rtl="0" eaLnBrk="1" fontAlgn="auto" latinLnBrk="1" hangingPunct="1">
+              <a:lnSpc>
+                <a:spcPct val="100000"/>
+              </a:lnSpc>
+              <a:spcBef>
+                <a:spcPts val="0"/>
+              </a:spcBef>
+              <a:spcAft>
+                <a:spcPts val="0"/>
+              </a:spcAft>
+              <a:buClrTx/>
+              <a:buSzTx/>
+              <a:buFontTx/>
+              <a:buNone/>
+              <a:tabLst/>
+              <a:defRPr/>
+            </a:pPr>
+            <a:r>
               <a:rPr lang="ko-KR" altLang="en-US" dirty="0" err="1"/>
               <a:t>딥러닝으로</a:t>
             </a:r>
@@ -916,9 +951,52 @@
               <a:rPr lang="en-US" altLang="ko-KR" dirty="0"/>
               <a:t>. </a:t>
             </a:r>
-            <a:r>
-              <a:rPr lang="ko-KR" altLang="en-US" dirty="0"/>
-              <a:t>인공지능의 영역을 반려견으로 </a:t>
+          </a:p>
+          <a:p>
+            <a:pPr marL="0" marR="0" lvl="0" indent="0" algn="l" defTabSz="914400" rtl="0" eaLnBrk="1" fontAlgn="auto" latinLnBrk="1" hangingPunct="1">
+              <a:lnSpc>
+                <a:spcPct val="100000"/>
+              </a:lnSpc>
+              <a:spcBef>
+                <a:spcPts val="0"/>
+              </a:spcBef>
+              <a:spcAft>
+                <a:spcPts val="0"/>
+              </a:spcAft>
+              <a:buClrTx/>
+              <a:buSzTx/>
+              <a:buFontTx/>
+              <a:buNone/>
+              <a:tabLst/>
+              <a:defRPr/>
+            </a:pPr>
+            <a:r>
+              <a:rPr lang="ko-KR" altLang="en-US" dirty="0"/>
+              <a:t>이런 </a:t>
+            </a:r>
+            <a:r>
+              <a:rPr lang="ko-KR" altLang="en-US" dirty="0" err="1"/>
+              <a:t>머신러닝의</a:t>
+            </a:r>
+            <a:r>
+              <a:rPr lang="ko-KR" altLang="en-US" dirty="0"/>
+              <a:t> 기술들인 </a:t>
+            </a:r>
+            <a:r>
+              <a:rPr lang="ko-KR" altLang="en-US" dirty="0" err="1"/>
+              <a:t>딥러닝과</a:t>
+            </a:r>
+            <a:r>
+              <a:rPr lang="ko-KR" altLang="en-US" dirty="0"/>
+              <a:t> 강화학습을 </a:t>
+            </a:r>
+            <a:r>
+              <a:rPr lang="ko-KR" altLang="en-US" dirty="0" err="1"/>
+              <a:t>반려견</a:t>
+            </a:r>
+            <a:r>
+              <a:rPr lang="ko-KR" altLang="en-US" dirty="0"/>
+              <a:t> 자세라는 분야로 </a:t>
             </a:r>
             <a:r>
               <a:rPr lang="ko-KR" altLang="en-US" dirty="0" err="1"/>
@@ -928,6 +1006,25 @@
               <a:rPr lang="en-US" altLang="ko-KR" dirty="0"/>
               <a:t>, </a:t>
             </a:r>
+          </a:p>
+          <a:p>
+            <a:pPr marL="0" marR="0" lvl="0" indent="0" algn="l" defTabSz="914400" rtl="0" eaLnBrk="1" fontAlgn="auto" latinLnBrk="1" hangingPunct="1">
+              <a:lnSpc>
+                <a:spcPct val="100000"/>
+              </a:lnSpc>
+              <a:spcBef>
+                <a:spcPts val="0"/>
+              </a:spcBef>
+              <a:spcAft>
+                <a:spcPts val="0"/>
+              </a:spcAft>
+              <a:buClrTx/>
+              <a:buSzTx/>
+              <a:buFontTx/>
+              <a:buNone/>
+              <a:tabLst/>
+              <a:defRPr/>
+            </a:pPr>
             <a:r>
               <a:rPr lang="ko-KR" altLang="en-US" dirty="0"/>
               <a:t>컴퓨터 시스템을 통해 더 정확한 동물의 행동 분석에 이용하고자 했습니다</a:t>
@@ -936,10 +1033,6 @@
               <a:rPr lang="en-US" altLang="ko-KR" dirty="0"/>
               <a:t>.</a:t>
             </a:r>
-            <a:endParaRPr lang="ko-KR" altLang="en-US" dirty="0"/>
-          </a:p>
-          <a:p>
-            <a:endParaRPr lang="en-US" altLang="ko-KR" dirty="0"/>
           </a:p>
         </p:txBody>
       </p:sp>
@@ -1007,6 +1100,14 @@
           <a:p>
             <a:r>
               <a:rPr lang="ko-KR" altLang="en-US" dirty="0"/>
+              <a:t>자세별로 총</a:t>
+            </a:r>
+            <a:r>
+              <a:rPr lang="en-US" altLang="ko-KR" dirty="0"/>
+              <a:t>, </a:t>
+            </a:r>
+            <a:r>
+              <a:rPr lang="ko-KR" altLang="en-US" dirty="0"/>
               <a:t>만 장 이상의 </a:t>
             </a:r>
             <a:r>
@@ -1025,11 +1126,131 @@
           <a:p>
             <a:r>
               <a:rPr lang="ko-KR" altLang="en-US" dirty="0"/>
-              <a:t>학습을 반복할수록 정확도는 늘어나고 </a:t>
+              <a:t>여기서 </a:t>
             </a:r>
             <a:r>
               <a:rPr lang="en-US" altLang="ko-KR" dirty="0"/>
-              <a:t>98%</a:t>
+              <a:t>y</a:t>
+            </a:r>
+            <a:r>
+              <a:rPr lang="ko-KR" altLang="en-US" dirty="0"/>
+              <a:t>축은 </a:t>
+            </a:r>
+            <a:r>
+              <a:rPr lang="en-US" altLang="ko-KR" dirty="0"/>
+              <a:t>loss </a:t>
+            </a:r>
+            <a:r>
+              <a:rPr lang="ko-KR" altLang="en-US" dirty="0"/>
+              <a:t>즉</a:t>
+            </a:r>
+            <a:r>
+              <a:rPr lang="en-US" altLang="ko-KR" dirty="0"/>
+              <a:t>, </a:t>
+            </a:r>
+            <a:r>
+              <a:rPr lang="ko-KR" altLang="en-US" dirty="0" err="1"/>
+              <a:t>손실율인</a:t>
+            </a:r>
+            <a:r>
+              <a:rPr lang="ko-KR" altLang="en-US" dirty="0"/>
+              <a:t> 오차를 말하는 것이고 </a:t>
+            </a:r>
+            <a:r>
+              <a:rPr lang="en-US" altLang="ko-KR" dirty="0"/>
+              <a:t>x</a:t>
+            </a:r>
+            <a:r>
+              <a:rPr lang="ko-KR" altLang="en-US" dirty="0"/>
+              <a:t>축은 학습 반복횟수를 의미합니다</a:t>
+            </a:r>
+            <a:r>
+              <a:rPr lang="en-US" altLang="ko-KR" dirty="0"/>
+              <a:t>.</a:t>
+            </a:r>
+          </a:p>
+          <a:p>
+            <a:r>
+              <a:rPr lang="ko-KR" altLang="en-US" dirty="0"/>
+              <a:t>그래프를 보시면 파란색 선은 </a:t>
+            </a:r>
+            <a:r>
+              <a:rPr lang="en-US" altLang="ko-KR" dirty="0"/>
+              <a:t>train data</a:t>
+            </a:r>
+            <a:r>
+              <a:rPr lang="ko-KR" altLang="en-US" dirty="0"/>
+              <a:t>의 </a:t>
+            </a:r>
+            <a:r>
+              <a:rPr lang="en-US" altLang="ko-KR" dirty="0"/>
+              <a:t>loss</a:t>
+            </a:r>
+            <a:r>
+              <a:rPr lang="ko-KR" altLang="en-US" dirty="0"/>
+              <a:t>이고  주황색 선은 </a:t>
+            </a:r>
+            <a:r>
+              <a:rPr lang="en-US" altLang="ko-KR" dirty="0"/>
+              <a:t>validation set, test set</a:t>
+            </a:r>
+            <a:r>
+              <a:rPr lang="ko-KR" altLang="en-US" dirty="0"/>
+              <a:t>의 정확한 학습을 위한 검증 데이터의 </a:t>
+            </a:r>
+            <a:r>
+              <a:rPr lang="en-US" altLang="ko-KR" dirty="0"/>
+              <a:t>loss</a:t>
+            </a:r>
+            <a:r>
+              <a:rPr lang="ko-KR" altLang="en-US" dirty="0"/>
+              <a:t>입니다</a:t>
+            </a:r>
+            <a:r>
+              <a:rPr lang="en-US" altLang="ko-KR" dirty="0"/>
+              <a:t>.</a:t>
+            </a:r>
+          </a:p>
+          <a:p>
+            <a:r>
+              <a:rPr lang="ko-KR" altLang="en-US" dirty="0"/>
+              <a:t>학습을 반복할수록</a:t>
+            </a:r>
+            <a:r>
+              <a:rPr lang="en-US" altLang="ko-KR" dirty="0"/>
+              <a:t>, </a:t>
+            </a:r>
+            <a:r>
+              <a:rPr lang="ko-KR" altLang="en-US" dirty="0"/>
+              <a:t>최종 성능인 </a:t>
+            </a:r>
+            <a:r>
+              <a:rPr lang="en-US" altLang="ko-KR" dirty="0"/>
+              <a:t>test data</a:t>
+            </a:r>
+            <a:r>
+              <a:rPr lang="ko-KR" altLang="en-US" dirty="0"/>
+              <a:t>의 </a:t>
+            </a:r>
+            <a:r>
+              <a:rPr lang="en-US" altLang="ko-KR" dirty="0"/>
+              <a:t>loss</a:t>
+            </a:r>
+            <a:r>
+              <a:rPr lang="ko-KR" altLang="en-US" dirty="0"/>
+              <a:t>가 </a:t>
+            </a:r>
+            <a:r>
+              <a:rPr lang="en-US" altLang="ko-KR" dirty="0"/>
+              <a:t>0.02%</a:t>
+            </a:r>
+            <a:r>
+              <a:rPr lang="ko-KR" altLang="en-US" dirty="0"/>
+              <a:t>까지 줄어들며</a:t>
+            </a:r>
+            <a:r>
+              <a:rPr lang="en-US" altLang="ko-KR" dirty="0"/>
+              <a:t>, 98%</a:t>
             </a:r>
             <a:r>
               <a:rPr lang="ko-KR" altLang="en-US" dirty="0"/>
@@ -1106,15 +1327,49 @@
           <a:p>
             <a:r>
               <a:rPr lang="ko-KR" altLang="en-US" dirty="0"/>
+              <a:t>다음 과정은 </a:t>
+            </a:r>
+            <a:r>
+              <a:rPr lang="ko-KR" altLang="en-US" dirty="0" err="1"/>
+              <a:t>머신러닝의</a:t>
+            </a:r>
+            <a:r>
+              <a:rPr lang="ko-KR" altLang="en-US" dirty="0"/>
+              <a:t> 또 다른 </a:t>
+            </a:r>
+            <a:r>
+              <a:rPr lang="ko-KR" altLang="en-US" dirty="0" err="1"/>
+              <a:t>기법중</a:t>
+            </a:r>
+            <a:r>
+              <a:rPr lang="ko-KR" altLang="en-US" dirty="0"/>
+              <a:t> 하나인 강화학습을 이용하여 반려견의 행동을 </a:t>
+            </a:r>
+            <a:r>
+              <a:rPr lang="ko-KR" altLang="en-US" dirty="0" err="1"/>
+              <a:t>특정화하는</a:t>
+            </a:r>
+            <a:r>
+              <a:rPr lang="ko-KR" altLang="en-US" dirty="0"/>
+              <a:t> 과정입니다</a:t>
+            </a:r>
+            <a:r>
+              <a:rPr lang="en-US" altLang="ko-KR" dirty="0"/>
+              <a:t>.</a:t>
+            </a:r>
+          </a:p>
+          <a:p>
+            <a:r>
+              <a:rPr lang="ko-KR" altLang="en-US" dirty="0"/>
               <a:t>전전 페이지의 </a:t>
             </a:r>
             <a:r>
               <a:rPr lang="en-US" altLang="ko-KR" dirty="0"/>
-              <a:t>CNN</a:t>
-            </a:r>
-            <a:r>
-              <a:rPr lang="ko-KR" altLang="en-US" dirty="0"/>
-              <a:t> 학습과정을 통해 각 자세별로 특징을 산출했고</a:t>
+              <a:t>CNN </a:t>
+            </a:r>
+            <a:r>
+              <a:rPr lang="ko-KR" altLang="en-US" dirty="0"/>
+              <a:t>학습과정을 통해 각 자세별로 특징을 산출했고</a:t>
             </a:r>
             <a:r>
               <a:rPr lang="en-US" altLang="ko-KR" dirty="0"/>
@@ -1124,7 +1379,7 @@
           <a:p>
             <a:r>
               <a:rPr lang="ko-KR" altLang="en-US" dirty="0"/>
-              <a:t>산출된 자세 별 특징데이터를 이용하여 강화학습을 진행합니다</a:t>
+              <a:t>산출된 자세 별 특징데이터를 이용하여 행동에 대한 강화학습을 진행합니다</a:t>
             </a:r>
             <a:r>
               <a:rPr lang="en-US" altLang="ko-KR" dirty="0"/>
@@ -1134,11 +1389,19 @@
           <a:p>
             <a:r>
               <a:rPr lang="ko-KR" altLang="en-US" dirty="0"/>
-              <a:t>상단 그림처럼 </a:t>
+              <a:t>상단 그림처럼</a:t>
             </a:r>
             <a:r>
               <a:rPr lang="en-US" altLang="ko-KR" dirty="0"/>
-              <a:t>Multi-stage</a:t>
+              <a:t>, CNN </a:t>
+            </a:r>
+            <a:r>
+              <a:rPr lang="ko-KR" altLang="en-US" dirty="0"/>
+              <a:t>알고리즘을 통과한 특징데이터들은</a:t>
+            </a:r>
+            <a:r>
+              <a:rPr lang="en-US" altLang="ko-KR" dirty="0"/>
+              <a:t>, Multi-stage</a:t>
             </a:r>
             <a:r>
               <a:rPr lang="ko-KR" altLang="en-US" dirty="0"/>
@@ -1214,6 +1477,18 @@
           <a:lstStyle/>
           <a:p>
             <a:r>
+              <a:rPr lang="ko-KR" altLang="en-US" dirty="0" err="1"/>
+              <a:t>딥러닝과</a:t>
+            </a:r>
+            <a:r>
+              <a:rPr lang="ko-KR" altLang="en-US" dirty="0"/>
+              <a:t> 강화학습</a:t>
+            </a:r>
+            <a:r>
+              <a:rPr lang="en-US" altLang="ko-KR" dirty="0"/>
+              <a:t>, </a:t>
+            </a:r>
+            <a:r>
               <a:rPr lang="ko-KR" altLang="en-US" dirty="0"/>
               <a:t>모든 </a:t>
             </a:r>
@@ -1231,7 +1506,15 @@
             </a:r>
             <a:r>
               <a:rPr lang="ko-KR" altLang="en-US" dirty="0"/>
-              <a:t>마침내 강아지의 행동을 </a:t>
+              <a:t>마침내 강아지의 행동을 상단의 그림처럼 앉아있거나</a:t>
+            </a:r>
+            <a:r>
+              <a:rPr lang="en-US" altLang="ko-KR" dirty="0"/>
+              <a:t>, </a:t>
+            </a:r>
+            <a:r>
+              <a:rPr lang="ko-KR" altLang="en-US" dirty="0"/>
+              <a:t>서있는 행동들을 </a:t>
             </a:r>
             <a:r>
               <a:rPr lang="ko-KR" altLang="en-US" dirty="0" err="1"/>
@@ -1245,6 +1528,21 @@
               <a:rPr lang="en-US" altLang="ko-KR" dirty="0"/>
               <a:t>.</a:t>
             </a:r>
+          </a:p>
+          <a:p>
+            <a:r>
+              <a:rPr lang="ko-KR" altLang="en-US" dirty="0"/>
+              <a:t>이상 딥러닝 기반 영상처리에 대해 세부내용을 발표한 </a:t>
+            </a:r>
+            <a:r>
+              <a:rPr lang="ko-KR" altLang="en-US" dirty="0" err="1"/>
+              <a:t>윤성필이었습니다</a:t>
+            </a:r>
+            <a:r>
+              <a:rPr lang="en-US" altLang="ko-KR"/>
+              <a:t>.</a:t>
+            </a:r>
+            <a:endParaRPr lang="en-US" altLang="ko-KR" dirty="0"/>
           </a:p>
         </p:txBody>
       </p:sp>
@@ -1312,21 +1610,57 @@
           <a:p>
             <a:r>
               <a:rPr lang="ko-KR" altLang="en-US" dirty="0"/>
-              <a:t>딥러닝 기반 영상처리 기법으로 자세를 판별한 결과</a:t>
+              <a:t>앞에서 소개해드렸던</a:t>
+            </a:r>
+            <a:r>
+              <a:rPr lang="en-US" altLang="ko-KR" dirty="0"/>
+              <a:t> </a:t>
+            </a:r>
+            <a:r>
+              <a:rPr lang="ko-KR" altLang="en-US" dirty="0"/>
+              <a:t>딥러닝 기반 영상처리 기법으로</a:t>
             </a:r>
             <a:endParaRPr lang="en-US" altLang="ko-KR" dirty="0"/>
           </a:p>
           <a:p>
             <a:r>
               <a:rPr lang="ko-KR" altLang="en-US" dirty="0"/>
-              <a:t>반려견이 발화된 명령어에 맞게 올바른 자세를 취했을 경우</a:t>
+              <a:t>자세를 판별한 결과</a:t>
             </a:r>
             <a:endParaRPr lang="en-US" altLang="ko-KR" dirty="0"/>
           </a:p>
           <a:p>
             <a:r>
               <a:rPr lang="ko-KR" altLang="en-US" dirty="0"/>
-              <a:t>프로세서는 간식통에 연결된 모터를 작동시켜 간식의 보상을 제공합니다</a:t>
+              <a:t>반려견이</a:t>
+            </a:r>
+            <a:endParaRPr lang="en-US" altLang="ko-KR" dirty="0"/>
+          </a:p>
+          <a:p>
+            <a:r>
+              <a:rPr lang="ko-KR" altLang="en-US" dirty="0"/>
+              <a:t>발화된 명령어에 맞게</a:t>
+            </a:r>
+            <a:endParaRPr lang="en-US" altLang="ko-KR" dirty="0"/>
+          </a:p>
+          <a:p>
+            <a:r>
+              <a:rPr lang="ko-KR" altLang="en-US" dirty="0"/>
+              <a:t>올바른 자세를 취했을 경우</a:t>
+            </a:r>
+            <a:endParaRPr lang="en-US" altLang="ko-KR" dirty="0"/>
+          </a:p>
+          <a:p>
+            <a:r>
+              <a:rPr lang="ko-KR" altLang="en-US" dirty="0"/>
+              <a:t>프로세서는</a:t>
+            </a:r>
+            <a:endParaRPr lang="en-US" altLang="ko-KR" dirty="0"/>
+          </a:p>
+          <a:p>
+            <a:r>
+              <a:rPr lang="ko-KR" altLang="en-US" dirty="0"/>
+              <a:t>간식통에 연결된 모터를 작동시켜 간식의 보상을 제공합니다</a:t>
             </a:r>
             <a:r>
               <a:rPr lang="en-US" altLang="ko-KR" dirty="0"/>
@@ -2592,7 +2926,15 @@
             </a:r>
             <a:r>
               <a:rPr lang="ko-KR" altLang="en-US" dirty="0"/>
-              <a:t> 명령어 훈련 방법을 고안해내고</a:t>
+              <a:t> 명령어 </a:t>
+            </a:r>
+            <a:r>
+              <a:rPr lang="ko-KR" altLang="en-US" dirty="0" err="1"/>
+              <a:t>훈련을을</a:t>
+            </a:r>
+            <a:r>
+              <a:rPr lang="ko-KR" altLang="en-US" dirty="0"/>
+              <a:t> 고안해내고</a:t>
             </a:r>
             <a:endParaRPr lang="en-US" altLang="ko-KR" dirty="0"/>
           </a:p>
@@ -3332,7 +3674,18 @@
           <a:p>
             <a:r>
               <a:rPr lang="ko-KR" altLang="en-US" dirty="0"/>
-              <a:t>이 딥러닝 기반 영상처리 과정의 세부 내용은 다음과 같습니다</a:t>
+              <a:t>이 딥러닝 기반 영상처리 과정의 세부 내용에 대해</a:t>
+            </a:r>
+            <a:endParaRPr lang="en-US" altLang="ko-KR" dirty="0"/>
+          </a:p>
+          <a:p>
+            <a:r>
+              <a:rPr lang="ko-KR" altLang="en-US" dirty="0" err="1"/>
+              <a:t>윤성필</a:t>
+            </a:r>
+            <a:r>
+              <a:rPr lang="ko-KR" altLang="en-US" dirty="0"/>
+              <a:t> 학우가 더 자세히 설명하도록 하겠습니다</a:t>
             </a:r>
             <a:r>
               <a:rPr lang="en-US" altLang="ko-KR" dirty="0"/>
@@ -6740,8 +7093,8 @@
         </p:nvSpPr>
         <p:spPr>
           <a:xfrm>
-            <a:off x="731517" y="1233487"/>
-            <a:ext cx="10728965" cy="5489575"/>
+            <a:off x="459084" y="1280553"/>
+            <a:ext cx="11273832" cy="5489575"/>
           </a:xfrm>
           <a:prstGeom prst="rect">
             <a:avLst/>
@@ -7001,7 +7354,7 @@
                 <a:latin typeface="맑은 고딕" panose="020B0503020000020004" pitchFamily="50" charset="-127"/>
                 <a:ea typeface="맑은 고딕" panose="020B0503020000020004" pitchFamily="50" charset="-127"/>
               </a:rPr>
-              <a:t>장씩 데이터를 </a:t>
+              <a:t>장씩 특징 데이터를 </a:t>
             </a:r>
             <a:r>
               <a:rPr lang="ko-KR" altLang="en-US" sz="2000" dirty="0" err="1">
@@ -7068,155 +7421,9 @@
                 <a:latin typeface="맑은 고딕" panose="020B0503020000020004" pitchFamily="50" charset="-127"/>
                 <a:ea typeface="맑은 고딕" panose="020B0503020000020004" pitchFamily="50" charset="-127"/>
               </a:rPr>
-              <a:t>시간시간의 학습 과정</a:t>
+              <a:t>시간 시간의 학습</a:t>
             </a:r>
             <a:endParaRPr lang="en-US" altLang="ko-KR" sz="2000" dirty="0">
-              <a:latin typeface="맑은 고딕" panose="020B0503020000020004" pitchFamily="50" charset="-127"/>
-              <a:ea typeface="맑은 고딕" panose="020B0503020000020004" pitchFamily="50" charset="-127"/>
-            </a:endParaRPr>
-          </a:p>
-        </p:txBody>
-      </p:sp>
-      <p:sp>
-        <p:nvSpPr>
-          <p:cNvPr id="7" name="슬라이드 번호 개체 틀 3">
-            <a:extLst>
-              <a:ext uri="{FF2B5EF4-FFF2-40B4-BE49-F238E27FC236}">
-                <a16:creationId xmlns:a16="http://schemas.microsoft.com/office/drawing/2014/main" id="{97B7E211-4D5B-4F46-B6A1-0F6A6790DB7F}"/>
-              </a:ext>
-            </a:extLst>
-          </p:cNvPr>
-          <p:cNvSpPr txBox="1">
-            <a:spLocks/>
-          </p:cNvSpPr>
-          <p:nvPr/>
-        </p:nvSpPr>
-        <p:spPr>
-          <a:xfrm>
-            <a:off x="8610600" y="6356350"/>
-            <a:ext cx="2743200" cy="365125"/>
-          </a:xfrm>
-          <a:prstGeom prst="rect">
-            <a:avLst/>
-          </a:prstGeom>
-        </p:spPr>
-        <p:txBody>
-          <a:bodyPr/>
-          <a:lstStyle>
-            <a:defPPr>
-              <a:defRPr lang="ko-KR"/>
-            </a:defPPr>
-            <a:lvl1pPr marL="0" algn="l" defTabSz="914400" rtl="0" eaLnBrk="1" latinLnBrk="1" hangingPunct="1">
-              <a:defRPr sz="1800" kern="1200">
-                <a:solidFill>
-                  <a:schemeClr val="tx1"/>
-                </a:solidFill>
-                <a:latin typeface="+mn-lt"/>
-                <a:ea typeface="+mn-ea"/>
-                <a:cs typeface="+mn-cs"/>
-              </a:defRPr>
-            </a:lvl1pPr>
-            <a:lvl2pPr marL="457200" algn="l" defTabSz="914400" rtl="0" eaLnBrk="1" latinLnBrk="1" hangingPunct="1">
-              <a:defRPr sz="1800" kern="1200">
-                <a:solidFill>
-                  <a:schemeClr val="tx1"/>
-                </a:solidFill>
-                <a:latin typeface="+mn-lt"/>
-                <a:ea typeface="+mn-ea"/>
-                <a:cs typeface="+mn-cs"/>
-              </a:defRPr>
-            </a:lvl2pPr>
-            <a:lvl3pPr marL="914400" algn="l" defTabSz="914400" rtl="0" eaLnBrk="1" latinLnBrk="1" hangingPunct="1">
-              <a:defRPr sz="1800" kern="1200">
-                <a:solidFill>
-                  <a:schemeClr val="tx1"/>
-                </a:solidFill>
-                <a:latin typeface="+mn-lt"/>
-                <a:ea typeface="+mn-ea"/>
-                <a:cs typeface="+mn-cs"/>
-              </a:defRPr>
-            </a:lvl3pPr>
-            <a:lvl4pPr marL="1371600" algn="l" defTabSz="914400" rtl="0" eaLnBrk="1" latinLnBrk="1" hangingPunct="1">
-              <a:defRPr sz="1800" kern="1200">
-                <a:solidFill>
-                  <a:schemeClr val="tx1"/>
-                </a:solidFill>
-                <a:latin typeface="+mn-lt"/>
-                <a:ea typeface="+mn-ea"/>
-                <a:cs typeface="+mn-cs"/>
-              </a:defRPr>
-            </a:lvl4pPr>
-            <a:lvl5pPr marL="1828800" algn="l" defTabSz="914400" rtl="0" eaLnBrk="1" latinLnBrk="1" hangingPunct="1">
-              <a:defRPr sz="1800" kern="1200">
-                <a:solidFill>
-                  <a:schemeClr val="tx1"/>
-                </a:solidFill>
-                <a:latin typeface="+mn-lt"/>
-                <a:ea typeface="+mn-ea"/>
-                <a:cs typeface="+mn-cs"/>
-              </a:defRPr>
-            </a:lvl5pPr>
-            <a:lvl6pPr marL="2286000" algn="l" defTabSz="914400" rtl="0" eaLnBrk="1" latinLnBrk="1" hangingPunct="1">
-              <a:defRPr sz="1800" kern="1200">
-                <a:solidFill>
-                  <a:schemeClr val="tx1"/>
-                </a:solidFill>
-                <a:latin typeface="+mn-lt"/>
-                <a:ea typeface="+mn-ea"/>
-                <a:cs typeface="+mn-cs"/>
-              </a:defRPr>
-            </a:lvl6pPr>
-            <a:lvl7pPr marL="2743200" algn="l" defTabSz="914400" rtl="0" eaLnBrk="1" latinLnBrk="1" hangingPunct="1">
-              <a:defRPr sz="1800" kern="1200">
-                <a:solidFill>
-                  <a:schemeClr val="tx1"/>
-                </a:solidFill>
-                <a:latin typeface="+mn-lt"/>
-                <a:ea typeface="+mn-ea"/>
-                <a:cs typeface="+mn-cs"/>
-              </a:defRPr>
-            </a:lvl7pPr>
-            <a:lvl8pPr marL="3200400" algn="l" defTabSz="914400" rtl="0" eaLnBrk="1" latinLnBrk="1" hangingPunct="1">
-              <a:defRPr sz="1800" kern="1200">
-                <a:solidFill>
-                  <a:schemeClr val="tx1"/>
-                </a:solidFill>
-                <a:latin typeface="+mn-lt"/>
-                <a:ea typeface="+mn-ea"/>
-                <a:cs typeface="+mn-cs"/>
-              </a:defRPr>
-            </a:lvl8pPr>
-            <a:lvl9pPr marL="3657600" algn="l" defTabSz="914400" rtl="0" eaLnBrk="1" latinLnBrk="1" hangingPunct="1">
-              <a:defRPr sz="1800" kern="1200">
-                <a:solidFill>
-                  <a:schemeClr val="tx1"/>
-                </a:solidFill>
-                <a:latin typeface="+mn-lt"/>
-                <a:ea typeface="+mn-ea"/>
-                <a:cs typeface="+mn-cs"/>
-              </a:defRPr>
-            </a:lvl9pPr>
-          </a:lstStyle>
-          <a:p>
-            <a:fld id="{27FBB162-8746-42C9-BFFF-D75069B6786A}" type="slidenum">
-              <a:rPr lang="ko-KR" altLang="en-US" smtClean="0">
-                <a:solidFill>
-                  <a:prstClr val="black">
-                    <a:tint val="75000"/>
-                  </a:prstClr>
-                </a:solidFill>
-                <a:latin typeface="맑은 고딕" panose="020B0503020000020004" pitchFamily="50" charset="-127"/>
-                <a:ea typeface="맑은 고딕" panose="020B0503020000020004" pitchFamily="50" charset="-127"/>
-              </a:rPr>
-              <a:pPr/>
-              <a:t>10</a:t>
-            </a:fld>
-            <a:endParaRPr lang="ko-KR" altLang="en-US">
-              <a:solidFill>
-                <a:prstClr val="black">
-                  <a:tint val="75000"/>
-                </a:prstClr>
-              </a:solidFill>
               <a:latin typeface="맑은 고딕" panose="020B0503020000020004" pitchFamily="50" charset="-127"/>
               <a:ea typeface="맑은 고딕" panose="020B0503020000020004" pitchFamily="50" charset="-127"/>
             </a:endParaRPr>

--- a/Report/제 7회 숭실 특허경진대회/특허경진대회 발표 PPT - 개가천선.pptx
+++ b/Report/제 7회 숭실 특허경진대회/특허경진대회 발표 PPT - 개가천선.pptx
@@ -10760,7 +10760,7 @@
           <a:p>
             <a:r>
               <a:rPr lang="en-US" altLang="ko-KR" dirty="0"/>
-              <a:t>6</a:t>
+              <a:t>5</a:t>
             </a:r>
           </a:p>
         </p:txBody>

--- a/Report/제 7회 숭실 특허경진대회/특허경진대회 발표 PPT - 개가천선.pptx
+++ b/Report/제 7회 숭실 특허경진대회/특허경진대회 발표 PPT - 개가천선.pptx
@@ -2918,7 +2918,7 @@
             </a:r>
             <a:r>
               <a:rPr lang="ko-KR" altLang="en-US" dirty="0"/>
-              <a:t>말 그대로 저희가 목표로 하는 무인 </a:t>
+              <a:t>말 그대로 저희가 목표로 하는 </a:t>
             </a:r>
             <a:r>
               <a:rPr lang="ko-KR" altLang="en-US" dirty="0" err="1"/>
@@ -2926,15 +2926,15 @@
             </a:r>
             <a:r>
               <a:rPr lang="ko-KR" altLang="en-US" dirty="0"/>
-              <a:t> 명령어 </a:t>
-            </a:r>
-            <a:r>
-              <a:rPr lang="ko-KR" altLang="en-US" dirty="0" err="1"/>
-              <a:t>훈련을을</a:t>
-            </a:r>
-            <a:r>
-              <a:rPr lang="ko-KR" altLang="en-US" dirty="0"/>
-              <a:t> 고안해내고</a:t>
+              <a:t> </a:t>
+            </a:r>
+            <a:r>
+              <a:rPr lang="ko-KR" altLang="en-US"/>
+              <a:t>명령어 훈련을 무인화 하는 방법을 </a:t>
+            </a:r>
+            <a:r>
+              <a:rPr lang="ko-KR" altLang="en-US" dirty="0"/>
+              <a:t>고안해내고</a:t>
             </a:r>
             <a:endParaRPr lang="en-US" altLang="ko-KR" dirty="0"/>
           </a:p>
